--- a/Drona.pptx
+++ b/Drona.pptx
@@ -125,6 +125,65 @@
 </p:presentation>
 </file>
 
+<file path=ppt/changesInfos/changesInfo1.xml><?xml version="1.0" encoding="utf-8"?>
+<pc:chgInfo xmlns:a="http://schemas.openxmlformats.org/drawingml/2006/main" xmlns:r="http://schemas.openxmlformats.org/officeDocument/2006/relationships" xmlns:ac="http://schemas.microsoft.com/office/drawing/2013/main/command" xmlns:pc="http://schemas.microsoft.com/office/powerpoint/2013/main/command">
+  <pc:docChgLst>
+    <pc:chgData name="Rama Krishna" userId="8470e1e71436eff1" providerId="LiveId" clId="{F4ED1696-BF2D-4807-B5E1-BB4A5EC61A5A}"/>
+    <pc:docChg chg="modSld">
+      <pc:chgData name="Rama Krishna" userId="8470e1e71436eff1" providerId="LiveId" clId="{F4ED1696-BF2D-4807-B5E1-BB4A5EC61A5A}" dt="2020-04-19T16:09:28.862" v="9" actId="20577"/>
+      <pc:docMkLst>
+        <pc:docMk/>
+      </pc:docMkLst>
+      <pc:sldChg chg="modSp">
+        <pc:chgData name="Rama Krishna" userId="8470e1e71436eff1" providerId="LiveId" clId="{F4ED1696-BF2D-4807-B5E1-BB4A5EC61A5A}" dt="2020-04-19T16:08:21.026" v="0" actId="14100"/>
+        <pc:sldMkLst>
+          <pc:docMk/>
+          <pc:sldMk cId="3922790901" sldId="260"/>
+        </pc:sldMkLst>
+        <pc:spChg chg="mod">
+          <ac:chgData name="Rama Krishna" userId="8470e1e71436eff1" providerId="LiveId" clId="{F4ED1696-BF2D-4807-B5E1-BB4A5EC61A5A}" dt="2020-04-19T16:08:21.026" v="0" actId="14100"/>
+          <ac:spMkLst>
+            <pc:docMk/>
+            <pc:sldMk cId="3922790901" sldId="260"/>
+            <ac:spMk id="4" creationId="{1EF3A81E-6D53-475F-A180-9F6379B3F153}"/>
+          </ac:spMkLst>
+        </pc:spChg>
+      </pc:sldChg>
+      <pc:sldChg chg="modSp">
+        <pc:chgData name="Rama Krishna" userId="8470e1e71436eff1" providerId="LiveId" clId="{F4ED1696-BF2D-4807-B5E1-BB4A5EC61A5A}" dt="2020-04-19T16:09:28.862" v="9" actId="20577"/>
+        <pc:sldMkLst>
+          <pc:docMk/>
+          <pc:sldMk cId="3475511822" sldId="265"/>
+        </pc:sldMkLst>
+        <pc:spChg chg="mod">
+          <ac:chgData name="Rama Krishna" userId="8470e1e71436eff1" providerId="LiveId" clId="{F4ED1696-BF2D-4807-B5E1-BB4A5EC61A5A}" dt="2020-04-19T16:09:28.862" v="9" actId="20577"/>
+          <ac:spMkLst>
+            <pc:docMk/>
+            <pc:sldMk cId="3475511822" sldId="265"/>
+            <ac:spMk id="3" creationId="{6D2A48DB-2A1B-49A2-A4F8-4582411580DE}"/>
+          </ac:spMkLst>
+        </pc:spChg>
+      </pc:sldChg>
+      <pc:sldChg chg="modSp">
+        <pc:chgData name="Rama Krishna" userId="8470e1e71436eff1" providerId="LiveId" clId="{F4ED1696-BF2D-4807-B5E1-BB4A5EC61A5A}" dt="2020-04-19T16:08:32.070" v="2" actId="1076"/>
+        <pc:sldMkLst>
+          <pc:docMk/>
+          <pc:sldMk cId="2169383076" sldId="267"/>
+        </pc:sldMkLst>
+        <pc:picChg chg="mod">
+          <ac:chgData name="Rama Krishna" userId="8470e1e71436eff1" providerId="LiveId" clId="{F4ED1696-BF2D-4807-B5E1-BB4A5EC61A5A}" dt="2020-04-19T16:08:32.070" v="2" actId="1076"/>
+          <ac:picMkLst>
+            <pc:docMk/>
+            <pc:sldMk cId="2169383076" sldId="267"/>
+            <ac:picMk id="4" creationId="{45B43A31-49FC-4D75-B52D-2CFA770B5B4F}"/>
+          </ac:picMkLst>
+        </pc:picChg>
+      </pc:sldChg>
+    </pc:docChg>
+  </pc:docChgLst>
+</pc:chgInfo>
+</file>
+
 <file path=ppt/charts/chart1.xml><?xml version="1.0" encoding="utf-8"?>
 <c:chartSpace xmlns:c="http://schemas.openxmlformats.org/drawingml/2006/chart" xmlns:a="http://schemas.openxmlformats.org/drawingml/2006/main" xmlns:r="http://schemas.openxmlformats.org/officeDocument/2006/relationships" xmlns:c16r2="http://schemas.microsoft.com/office/drawing/2015/06/chart">
   <c:date1904 val="0"/>
@@ -208,6 +267,11 @@
                 </a:outerShdw>
               </a:effectLst>
             </c:spPr>
+            <c:extLst>
+              <c:ext xmlns:c16="http://schemas.microsoft.com/office/drawing/2014/chart" uri="{C3380CC4-5D6E-409C-BE32-E72D297353CC}">
+                <c16:uniqueId val="{00000001-54D6-4A24-93DC-5C34132D9566}"/>
+              </c:ext>
+            </c:extLst>
           </c:dPt>
           <c:dPt>
             <c:idx val="1"/>
@@ -229,6 +293,11 @@
                 </a:outerShdw>
               </a:effectLst>
             </c:spPr>
+            <c:extLst>
+              <c:ext xmlns:c16="http://schemas.microsoft.com/office/drawing/2014/chart" uri="{C3380CC4-5D6E-409C-BE32-E72D297353CC}">
+                <c16:uniqueId val="{00000003-54D6-4A24-93DC-5C34132D9566}"/>
+              </c:ext>
+            </c:extLst>
           </c:dPt>
           <c:dPt>
             <c:idx val="2"/>
@@ -250,6 +319,11 @@
                 </a:outerShdw>
               </a:effectLst>
             </c:spPr>
+            <c:extLst>
+              <c:ext xmlns:c16="http://schemas.microsoft.com/office/drawing/2014/chart" uri="{C3380CC4-5D6E-409C-BE32-E72D297353CC}">
+                <c16:uniqueId val="{00000005-54D6-4A24-93DC-5C34132D9566}"/>
+              </c:ext>
+            </c:extLst>
           </c:dPt>
           <c:dPt>
             <c:idx val="3"/>
@@ -271,6 +345,11 @@
                 </a:outerShdw>
               </a:effectLst>
             </c:spPr>
+            <c:extLst>
+              <c:ext xmlns:c16="http://schemas.microsoft.com/office/drawing/2014/chart" uri="{C3380CC4-5D6E-409C-BE32-E72D297353CC}">
+                <c16:uniqueId val="{00000007-54D6-4A24-93DC-5C34132D9566}"/>
+              </c:ext>
+            </c:extLst>
           </c:dPt>
           <c:dLbls>
             <c:spPr>
@@ -4692,8 +4771,8 @@
         </p:blipFill>
         <p:spPr>
           <a:xfrm>
-            <a:off x="7082377" y="3815499"/>
-            <a:ext cx="3645326" cy="2671384"/>
+            <a:off x="8053338" y="4201998"/>
+            <a:ext cx="3226746" cy="2364638"/>
           </a:xfrm>
           <a:prstGeom prst="rect">
             <a:avLst/>
@@ -5378,7 +5457,7 @@
             </a:pPr>
             <a:r>
               <a:rPr lang="en-US" dirty="0"/>
-              <a:t>The usage of drones in the lockdown period is to monitor the movement of people int the town during the lockdown period. another main reason is to sanitize the infected area's way and supply drones and first priority is to deliver and supply is to provide medicines and food to needy people. the main reason to making drones in Maharashtra is to announce the policy measures of COVID -19 in the infected areas and to identify the temperature people. Then we are here using the solar panel and for battery backup with solar cells and its satellite control drone and AI camera detection of COVID patients.</a:t>
+              <a:t>The usage of drones in the lockdown period is to monitor the movement of people int the town during the lockdown period. another main reason is to sanitize the infected area's way and supply drones and first priority is to deliver and supply is to provide medicines and food to needy people. the main reason to making drones in Maharashtra is to announce the policy measures of COVID -19 in the infected areas and to identify the temperature people. Then we are here using the solar panel and for battery backup with solar cells and its satellite control drone and AI camera detection of COVID patients. In a paper published in the Proceedings of the ACM on Interactive, Mobile, Wearable and Ubiquitous Technologies as a "contactless syndromic surveillance platform" that "aims to expand the current paradigm of influenza-like illness (ILI) surveillance by capturing crowd-level bio-clinical signals directly related to physical symptoms of ILI from hospital waiting areas in an unobtrusive and privacy-sensitive manner."</a:t>
             </a:r>
             <a:endParaRPr lang="en-IN" dirty="0"/>
           </a:p>
@@ -6152,7 +6231,7 @@
         <p:spPr>
           <a:xfrm>
             <a:off x="838200" y="3949831"/>
-            <a:ext cx="6316744" cy="523220"/>
+            <a:ext cx="9880076" cy="523220"/>
           </a:xfrm>
           <a:prstGeom prst="rect">
             <a:avLst/>
@@ -6166,10 +6245,9 @@
           <a:lstStyle/>
           <a:p>
             <a:r>
-              <a:rPr lang="en-IN" sz="2800"/>
+              <a:rPr lang="en-IN" sz="2800" dirty="0"/>
               <a:t>CLASSIFICATION OF DRONES vs. DRONES </a:t>
             </a:r>
-            <a:endParaRPr lang="en-IN" sz="2800" dirty="0"/>
           </a:p>
         </p:txBody>
       </p:sp>
